--- a/Infants  Mortality Analysis_v1.pptx
+++ b/Infants  Mortality Analysis_v1.pptx
@@ -5,7 +5,7 @@
     <p:sldMasterId id="2147483750" r:id="rId1"/>
   </p:sldMasterIdLst>
   <p:notesMasterIdLst>
-    <p:notesMasterId r:id="rId18"/>
+    <p:notesMasterId r:id="rId19"/>
   </p:notesMasterIdLst>
   <p:sldIdLst>
     <p:sldId id="256" r:id="rId2"/>
@@ -19,11 +19,12 @@
     <p:sldId id="272" r:id="rId10"/>
     <p:sldId id="258" r:id="rId11"/>
     <p:sldId id="260" r:id="rId12"/>
-    <p:sldId id="275" r:id="rId13"/>
+    <p:sldId id="277" r:id="rId13"/>
     <p:sldId id="274" r:id="rId14"/>
-    <p:sldId id="261" r:id="rId15"/>
-    <p:sldId id="267" r:id="rId16"/>
+    <p:sldId id="278" r:id="rId15"/>
+    <p:sldId id="279" r:id="rId16"/>
     <p:sldId id="268" r:id="rId17"/>
+    <p:sldId id="280" r:id="rId18"/>
   </p:sldIdLst>
   <p:sldSz cx="12192000" cy="6858000"/>
   <p:notesSz cx="6858000" cy="9144000"/>
@@ -1104,6 +1105,90 @@
 </p:notes>
 </file>
 
+<file path=ppt/notesSlides/notesSlide3.xml><?xml version="1.0" encoding="utf-8"?>
+<p:notes xmlns:a="http://schemas.openxmlformats.org/drawingml/2006/main" xmlns:r="http://schemas.openxmlformats.org/officeDocument/2006/relationships" xmlns:p="http://schemas.openxmlformats.org/presentationml/2006/main">
+  <p:cSld>
+    <p:spTree>
+      <p:nvGrpSpPr>
+        <p:cNvPr id="1" name=""/>
+        <p:cNvGrpSpPr/>
+        <p:nvPr/>
+      </p:nvGrpSpPr>
+      <p:grpSpPr>
+        <a:xfrm>
+          <a:off x="0" y="0"/>
+          <a:ext cx="0" cy="0"/>
+          <a:chOff x="0" y="0"/>
+          <a:chExt cx="0" cy="0"/>
+        </a:xfrm>
+      </p:grpSpPr>
+      <p:sp>
+        <p:nvSpPr>
+          <p:cNvPr id="2" name="Slide Image Placeholder 1"/>
+          <p:cNvSpPr>
+            <a:spLocks noGrp="1" noRot="1" noChangeAspect="1"/>
+          </p:cNvSpPr>
+          <p:nvPr>
+            <p:ph type="sldImg"/>
+          </p:nvPr>
+        </p:nvSpPr>
+        <p:spPr/>
+      </p:sp>
+      <p:sp>
+        <p:nvSpPr>
+          <p:cNvPr id="3" name="Notes Placeholder 2"/>
+          <p:cNvSpPr>
+            <a:spLocks noGrp="1"/>
+          </p:cNvSpPr>
+          <p:nvPr>
+            <p:ph type="body" idx="1"/>
+          </p:nvPr>
+        </p:nvSpPr>
+        <p:spPr/>
+        <p:txBody>
+          <a:bodyPr/>
+          <a:lstStyle/>
+          <a:p>
+            <a:endParaRPr lang="en-EE" dirty="0"/>
+          </a:p>
+        </p:txBody>
+      </p:sp>
+      <p:sp>
+        <p:nvSpPr>
+          <p:cNvPr id="4" name="Slide Number Placeholder 3"/>
+          <p:cNvSpPr>
+            <a:spLocks noGrp="1"/>
+          </p:cNvSpPr>
+          <p:nvPr>
+            <p:ph type="sldNum" sz="quarter" idx="5"/>
+          </p:nvPr>
+        </p:nvSpPr>
+        <p:spPr/>
+        <p:txBody>
+          <a:bodyPr/>
+          <a:lstStyle/>
+          <a:p>
+            <a:fld id="{1B8C6F8C-B5AE-41EE-B1B1-234EECD4D379}" type="slidenum">
+              <a:rPr lang="en-GB" smtClean="0"/>
+              <a:t>17</a:t>
+            </a:fld>
+            <a:endParaRPr lang="en-GB"/>
+          </a:p>
+        </p:txBody>
+      </p:sp>
+    </p:spTree>
+    <p:extLst>
+      <p:ext uri="{BB962C8B-B14F-4D97-AF65-F5344CB8AC3E}">
+        <p14:creationId xmlns:p14="http://schemas.microsoft.com/office/powerpoint/2010/main" val="3366172427"/>
+      </p:ext>
+    </p:extLst>
+  </p:cSld>
+  <p:clrMapOvr>
+    <a:masterClrMapping/>
+  </p:clrMapOvr>
+</p:notes>
+</file>
+
 <file path=ppt/slideLayouts/slideLayout1.xml><?xml version="1.0" encoding="utf-8"?>
 <p:sldLayout xmlns:a="http://schemas.openxmlformats.org/drawingml/2006/main" xmlns:r="http://schemas.openxmlformats.org/officeDocument/2006/relationships" xmlns:p="http://schemas.openxmlformats.org/presentationml/2006/main" type="title" preserve="1">
   <p:cSld name="Title Slide">
@@ -1243,7 +1328,7 @@
           <a:p>
             <a:fld id="{B1E5E0A0-989A-1541-BB27-5ED09915B29D}" type="datetimeFigureOut">
               <a:rPr lang="en-EE" smtClean="0"/>
-              <a:t>06/13/2023</a:t>
+              <a:t>13.06.2023</a:t>
             </a:fld>
             <a:endParaRPr lang="en-EE"/>
           </a:p>
@@ -1454,7 +1539,7 @@
           <a:p>
             <a:fld id="{B1E5E0A0-989A-1541-BB27-5ED09915B29D}" type="datetimeFigureOut">
               <a:rPr lang="en-EE" smtClean="0"/>
-              <a:t>06/13/2023</a:t>
+              <a:t>13.06.2023</a:t>
             </a:fld>
             <a:endParaRPr lang="en-EE"/>
           </a:p>
@@ -1669,7 +1754,7 @@
           <a:p>
             <a:fld id="{B1E5E0A0-989A-1541-BB27-5ED09915B29D}" type="datetimeFigureOut">
               <a:rPr lang="en-EE" smtClean="0"/>
-              <a:t>06/13/2023</a:t>
+              <a:t>13.06.2023</a:t>
             </a:fld>
             <a:endParaRPr lang="en-EE"/>
           </a:p>
@@ -1870,7 +1955,7 @@
           <a:p>
             <a:fld id="{B1E5E0A0-989A-1541-BB27-5ED09915B29D}" type="datetimeFigureOut">
               <a:rPr lang="en-EE" smtClean="0"/>
-              <a:t>06/13/2023</a:t>
+              <a:t>13.06.2023</a:t>
             </a:fld>
             <a:endParaRPr lang="en-EE"/>
           </a:p>
@@ -2149,7 +2234,7 @@
           <a:p>
             <a:fld id="{B1E5E0A0-989A-1541-BB27-5ED09915B29D}" type="datetimeFigureOut">
               <a:rPr lang="en-EE" smtClean="0"/>
-              <a:t>06/13/2023</a:t>
+              <a:t>13.06.2023</a:t>
             </a:fld>
             <a:endParaRPr lang="en-EE"/>
           </a:p>
@@ -2417,7 +2502,7 @@
           <a:p>
             <a:fld id="{B1E5E0A0-989A-1541-BB27-5ED09915B29D}" type="datetimeFigureOut">
               <a:rPr lang="en-EE" smtClean="0"/>
-              <a:t>06/13/2023</a:t>
+              <a:t>13.06.2023</a:t>
             </a:fld>
             <a:endParaRPr lang="en-EE"/>
           </a:p>
@@ -2833,7 +2918,7 @@
           <a:p>
             <a:fld id="{B1E5E0A0-989A-1541-BB27-5ED09915B29D}" type="datetimeFigureOut">
               <a:rPr lang="en-EE" smtClean="0"/>
-              <a:t>06/13/2023</a:t>
+              <a:t>13.06.2023</a:t>
             </a:fld>
             <a:endParaRPr lang="en-EE"/>
           </a:p>
@@ -2982,7 +3067,7 @@
           <a:p>
             <a:fld id="{B1E5E0A0-989A-1541-BB27-5ED09915B29D}" type="datetimeFigureOut">
               <a:rPr lang="en-EE" smtClean="0"/>
-              <a:t>06/13/2023</a:t>
+              <a:t>13.06.2023</a:t>
             </a:fld>
             <a:endParaRPr lang="en-EE"/>
           </a:p>
@@ -3108,7 +3193,7 @@
           <a:p>
             <a:fld id="{B1E5E0A0-989A-1541-BB27-5ED09915B29D}" type="datetimeFigureOut">
               <a:rPr lang="en-EE" smtClean="0"/>
-              <a:t>06/13/2023</a:t>
+              <a:t>13.06.2023</a:t>
             </a:fld>
             <a:endParaRPr lang="en-EE"/>
           </a:p>
@@ -3359,7 +3444,7 @@
           <a:p>
             <a:fld id="{B1E5E0A0-989A-1541-BB27-5ED09915B29D}" type="datetimeFigureOut">
               <a:rPr lang="en-EE" smtClean="0"/>
-              <a:t>06/13/2023</a:t>
+              <a:t>13.06.2023</a:t>
             </a:fld>
             <a:endParaRPr lang="en-EE"/>
           </a:p>
@@ -3804,7 +3889,7 @@
           <a:p>
             <a:fld id="{B1E5E0A0-989A-1541-BB27-5ED09915B29D}" type="datetimeFigureOut">
               <a:rPr lang="en-EE" smtClean="0"/>
-              <a:t>06/13/2023</a:t>
+              <a:t>13.06.2023</a:t>
             </a:fld>
             <a:endParaRPr lang="en-EE"/>
           </a:p>
@@ -4131,7 +4216,7 @@
           <a:p>
             <a:fld id="{B1E5E0A0-989A-1541-BB27-5ED09915B29D}" type="datetimeFigureOut">
               <a:rPr lang="en-EE" smtClean="0"/>
-              <a:t>06/13/2023</a:t>
+              <a:t>13.06.2023</a:t>
             </a:fld>
             <a:endParaRPr lang="en-EE"/>
           </a:p>
@@ -4975,7 +5060,7 @@
         <p:spPr>
           <a:xfrm>
             <a:off x="1451579" y="1966002"/>
-            <a:ext cx="7741810" cy="369332"/>
+            <a:ext cx="9603274" cy="646331"/>
           </a:xfrm>
           <a:prstGeom prst="rect">
             <a:avLst/>
@@ -4990,17 +5075,82 @@
           <a:p>
             <a:r>
               <a:rPr lang="en-US" dirty="0"/>
-              <a:t>We determined the relative morality rate per region and found out ….</a:t>
-            </a:r>
-          </a:p>
-        </p:txBody>
-      </p:sp>
-      <p:sp>
-        <p:nvSpPr>
-          <p:cNvPr id="8" name="Content Placeholder 2">
+              <a:t>We determined the relative morality rate per region and found out that West Midlands has the highest relative mortality rate in England based on per 1000 births within the total population.</a:t>
+            </a:r>
+          </a:p>
+        </p:txBody>
+      </p:sp>
+      <p:sp>
+        <p:nvSpPr>
+          <p:cNvPr id="3" name="Title 1">
             <a:extLst>
               <a:ext uri="{FF2B5EF4-FFF2-40B4-BE49-F238E27FC236}">
-                <a16:creationId xmlns:a16="http://schemas.microsoft.com/office/drawing/2014/main" id="{D50C2883-88F2-D54E-7DFD-41450529975C}"/>
+                <a16:creationId xmlns:a16="http://schemas.microsoft.com/office/drawing/2014/main" id="{F07C6897-F8AF-8B7F-8626-F0612D996FEC}"/>
+              </a:ext>
+            </a:extLst>
+          </p:cNvPr>
+          <p:cNvSpPr txBox="1">
+            <a:spLocks/>
+          </p:cNvSpPr>
+          <p:nvPr/>
+        </p:nvSpPr>
+        <p:spPr>
+          <a:xfrm>
+            <a:off x="1451579" y="804519"/>
+            <a:ext cx="9603275" cy="1049235"/>
+          </a:xfrm>
+          <a:prstGeom prst="rect">
+            <a:avLst/>
+          </a:prstGeom>
+        </p:spPr>
+        <p:txBody>
+          <a:bodyPr vert="horz" lIns="91440" tIns="45720" rIns="91440" bIns="45720" rtlCol="0" anchor="t">
+            <a:normAutofit/>
+          </a:bodyPr>
+          <a:lstStyle>
+            <a:lvl1pPr algn="l" defTabSz="914400" rtl="0" eaLnBrk="1" latinLnBrk="0" hangingPunct="1">
+              <a:lnSpc>
+                <a:spcPct val="90000"/>
+              </a:lnSpc>
+              <a:spcBef>
+                <a:spcPct val="0"/>
+              </a:spcBef>
+              <a:buNone/>
+              <a:defRPr sz="3200" b="0" i="0" kern="1200" cap="all">
+                <a:solidFill>
+                  <a:schemeClr val="tx1"/>
+                </a:solidFill>
+                <a:effectLst/>
+                <a:latin typeface="+mj-lt"/>
+                <a:ea typeface="+mj-ea"/>
+                <a:cs typeface="+mj-cs"/>
+              </a:defRPr>
+            </a:lvl1pPr>
+          </a:lstStyle>
+          <a:p>
+            <a:r>
+              <a:rPr lang="en-US" sz="2800">
+                <a:solidFill>
+                  <a:srgbClr val="002060"/>
+                </a:solidFill>
+                <a:latin typeface="Times New Roman" panose="02020603050405020304" pitchFamily="18" charset="0"/>
+                <a:cs typeface="Times New Roman" panose="02020603050405020304" pitchFamily="18" charset="0"/>
+              </a:rPr>
+              <a:t>Data visualization</a:t>
+            </a:r>
+            <a:endParaRPr lang="en-EE" sz="2800" dirty="0">
+              <a:latin typeface="Times New Roman" panose="02020603050405020304" pitchFamily="18" charset="0"/>
+              <a:cs typeface="Times New Roman" panose="02020603050405020304" pitchFamily="18" charset="0"/>
+            </a:endParaRPr>
+          </a:p>
+        </p:txBody>
+      </p:sp>
+      <p:sp>
+        <p:nvSpPr>
+          <p:cNvPr id="9" name="Content Placeholder 2">
+            <a:extLst>
+              <a:ext uri="{FF2B5EF4-FFF2-40B4-BE49-F238E27FC236}">
+                <a16:creationId xmlns:a16="http://schemas.microsoft.com/office/drawing/2014/main" id="{08DFCA63-D412-3456-C7FF-A769B146431D}"/>
               </a:ext>
             </a:extLst>
           </p:cNvPr>
@@ -5022,30 +5172,6 @@
             <a:normAutofit/>
           </a:bodyPr>
           <a:lstStyle/>
-          <a:p>
-            <a:pPr marL="0" indent="0">
-              <a:buNone/>
-            </a:pPr>
-            <a:r>
-              <a:rPr lang="en-GB" b="0" i="0" dirty="0" err="1">
-                <a:solidFill>
-                  <a:srgbClr val="FF0000"/>
-                </a:solidFill>
-                <a:effectLst/>
-                <a:latin typeface="Times New Roman" panose="02020603050405020304" pitchFamily="18" charset="0"/>
-                <a:cs typeface="Times New Roman" panose="02020603050405020304" pitchFamily="18" charset="0"/>
-              </a:rPr>
-              <a:t>Uchogi</a:t>
-            </a:r>
-            <a:endParaRPr lang="en-GB" b="0" i="0" dirty="0">
-              <a:solidFill>
-                <a:srgbClr val="FF0000"/>
-              </a:solidFill>
-              <a:effectLst/>
-              <a:latin typeface="Times New Roman" panose="02020603050405020304" pitchFamily="18" charset="0"/>
-              <a:cs typeface="Times New Roman" panose="02020603050405020304" pitchFamily="18" charset="0"/>
-            </a:endParaRPr>
-          </a:p>
           <a:p>
             <a:pPr marL="0" indent="0">
               <a:buNone/>
@@ -5062,14 +5188,11 @@
             <a:pPr marL="0" indent="0">
               <a:buNone/>
             </a:pPr>
-            <a:r>
-              <a:rPr lang="en-US" dirty="0">
-                <a:solidFill>
-                  <a:srgbClr val="FF0000"/>
-                </a:solidFill>
-              </a:rPr>
-              <a:t>What you did and Graphs </a:t>
-            </a:r>
+            <a:endParaRPr lang="en-US" dirty="0">
+              <a:solidFill>
+                <a:srgbClr val="FF0000"/>
+              </a:solidFill>
+            </a:endParaRPr>
           </a:p>
           <a:p>
             <a:pPr marL="0" indent="0">
@@ -5098,6 +5221,112 @@
           </a:p>
         </p:txBody>
       </p:sp>
+      <p:pic>
+        <p:nvPicPr>
+          <p:cNvPr id="10" name="Picture 9">
+            <a:extLst>
+              <a:ext uri="{FF2B5EF4-FFF2-40B4-BE49-F238E27FC236}">
+                <a16:creationId xmlns:a16="http://schemas.microsoft.com/office/drawing/2014/main" id="{320089D1-1036-F381-AA28-8AB60EB17937}"/>
+              </a:ext>
+            </a:extLst>
+          </p:cNvPr>
+          <p:cNvPicPr>
+            <a:picLocks noChangeAspect="1"/>
+          </p:cNvPicPr>
+          <p:nvPr/>
+        </p:nvPicPr>
+        <p:blipFill>
+          <a:blip r:embed="rId2">
+            <a:alphaModFix amt="73000"/>
+            <a:duotone>
+              <a:schemeClr val="accent5">
+                <a:shade val="45000"/>
+                <a:satMod val="135000"/>
+              </a:schemeClr>
+              <a:prstClr val="white"/>
+            </a:duotone>
+          </a:blip>
+          <a:stretch>
+            <a:fillRect/>
+          </a:stretch>
+        </p:blipFill>
+        <p:spPr>
+          <a:xfrm>
+            <a:off x="5907431" y="2612332"/>
+            <a:ext cx="6284569" cy="3450613"/>
+          </a:xfrm>
+          <a:prstGeom prst="rect">
+            <a:avLst/>
+          </a:prstGeom>
+        </p:spPr>
+        <p:style>
+          <a:lnRef idx="1">
+            <a:schemeClr val="accent5"/>
+          </a:lnRef>
+          <a:fillRef idx="2">
+            <a:schemeClr val="accent5"/>
+          </a:fillRef>
+          <a:effectRef idx="1">
+            <a:schemeClr val="accent5"/>
+          </a:effectRef>
+          <a:fontRef idx="minor">
+            <a:schemeClr val="dk1"/>
+          </a:fontRef>
+        </p:style>
+      </p:pic>
+      <p:pic>
+        <p:nvPicPr>
+          <p:cNvPr id="11" name="Picture 10">
+            <a:extLst>
+              <a:ext uri="{FF2B5EF4-FFF2-40B4-BE49-F238E27FC236}">
+                <a16:creationId xmlns:a16="http://schemas.microsoft.com/office/drawing/2014/main" id="{57C04BA4-39A0-AE76-E9FD-86949D1990D7}"/>
+              </a:ext>
+            </a:extLst>
+          </p:cNvPr>
+          <p:cNvPicPr>
+            <a:picLocks noChangeAspect="1"/>
+          </p:cNvPicPr>
+          <p:nvPr/>
+        </p:nvPicPr>
+        <p:blipFill>
+          <a:blip r:embed="rId3">
+            <a:alphaModFix amt="79000"/>
+            <a:duotone>
+              <a:schemeClr val="accent5">
+                <a:shade val="45000"/>
+                <a:satMod val="135000"/>
+              </a:schemeClr>
+              <a:prstClr val="white"/>
+            </a:duotone>
+          </a:blip>
+          <a:stretch>
+            <a:fillRect/>
+          </a:stretch>
+        </p:blipFill>
+        <p:spPr>
+          <a:xfrm>
+            <a:off x="1" y="2612333"/>
+            <a:ext cx="5854706" cy="3343924"/>
+          </a:xfrm>
+          <a:prstGeom prst="rect">
+            <a:avLst/>
+          </a:prstGeom>
+        </p:spPr>
+        <p:style>
+          <a:lnRef idx="1">
+            <a:schemeClr val="accent5"/>
+          </a:lnRef>
+          <a:fillRef idx="2">
+            <a:schemeClr val="accent5"/>
+          </a:fillRef>
+          <a:effectRef idx="1">
+            <a:schemeClr val="accent5"/>
+          </a:effectRef>
+          <a:fontRef idx="minor">
+            <a:schemeClr val="dk1"/>
+          </a:fontRef>
+        </p:style>
+      </p:pic>
     </p:spTree>
     <p:extLst>
       <p:ext uri="{BB962C8B-B14F-4D97-AF65-F5344CB8AC3E}">
@@ -5369,63 +5598,49 @@
           </a:p>
         </p:txBody>
       </p:sp>
-      <p:sp>
-        <p:nvSpPr>
-          <p:cNvPr id="3" name="Content Placeholder 2">
+      <p:pic>
+        <p:nvPicPr>
+          <p:cNvPr id="5" name="Content Placeholder 4">
             <a:extLst>
               <a:ext uri="{FF2B5EF4-FFF2-40B4-BE49-F238E27FC236}">
-                <a16:creationId xmlns:a16="http://schemas.microsoft.com/office/drawing/2014/main" id="{BC3A2A08-72A8-B89D-CB8B-FB53276C8F02}"/>
+                <a16:creationId xmlns:a16="http://schemas.microsoft.com/office/drawing/2014/main" id="{F93ADAAC-6EAF-E144-2DE8-41741CE3196D}"/>
               </a:ext>
             </a:extLst>
           </p:cNvPr>
-          <p:cNvSpPr>
-            <a:spLocks noGrp="1"/>
-          </p:cNvSpPr>
+          <p:cNvPicPr>
+            <a:picLocks noGrp="1" noChangeAspect="1"/>
+          </p:cNvPicPr>
           <p:nvPr>
             <p:ph idx="1"/>
           </p:nvPr>
-        </p:nvSpPr>
+        </p:nvPicPr>
+        <p:blipFill>
+          <a:blip r:embed="rId2"/>
+          <a:stretch>
+            <a:fillRect/>
+          </a:stretch>
+        </p:blipFill>
         <p:spPr>
           <a:xfrm>
-            <a:off x="1358813" y="2015732"/>
-            <a:ext cx="9603275" cy="3450613"/>
+            <a:off x="6160317" y="2603843"/>
+            <a:ext cx="5333275" cy="3364704"/>
           </a:xfrm>
         </p:spPr>
-        <p:txBody>
-          <a:bodyPr>
-            <a:normAutofit/>
-          </a:bodyPr>
-          <a:lstStyle/>
-          <a:p>
-            <a:pPr marL="0" indent="0" algn="l">
-              <a:buNone/>
-            </a:pPr>
-            <a:r>
-              <a:rPr lang="en-GB" sz="1800" b="0" i="0" dirty="0">
-                <a:solidFill>
-                  <a:srgbClr val="002060"/>
-                </a:solidFill>
-                <a:effectLst/>
-                <a:latin typeface="Times New Roman" panose="02020603050405020304" pitchFamily="18" charset="0"/>
-                <a:cs typeface="Times New Roman" panose="02020603050405020304" pitchFamily="18" charset="0"/>
-              </a:rPr>
-              <a:t>Scatter plot illustrating the relationship between poverty rates and infant mortality rates</a:t>
-            </a:r>
-          </a:p>
-          <a:p>
-            <a:pPr marL="0" indent="0">
-              <a:buNone/>
-            </a:pPr>
-            <a:endParaRPr lang="en-EE" sz="1400" dirty="0">
-              <a:solidFill>
-                <a:srgbClr val="002060"/>
-              </a:solidFill>
-              <a:latin typeface="Times New Roman" panose="02020603050405020304" pitchFamily="18" charset="0"/>
-              <a:cs typeface="Times New Roman" panose="02020603050405020304" pitchFamily="18" charset="0"/>
-            </a:endParaRPr>
-          </a:p>
-        </p:txBody>
-      </p:sp>
+        <p:style>
+          <a:lnRef idx="1">
+            <a:schemeClr val="accent5"/>
+          </a:lnRef>
+          <a:fillRef idx="3">
+            <a:schemeClr val="accent5"/>
+          </a:fillRef>
+          <a:effectRef idx="2">
+            <a:schemeClr val="accent5"/>
+          </a:effectRef>
+          <a:fontRef idx="minor">
+            <a:schemeClr val="lt1"/>
+          </a:fontRef>
+        </p:style>
+      </p:pic>
       <p:sp>
         <p:nvSpPr>
           <p:cNvPr id="6" name="TextBox 5">
@@ -5715,62 +5930,6 @@
               <a:buFont typeface="Arial" panose="020B0604020202020204" pitchFamily="34" charset="0"/>
               <a:buNone/>
             </a:pPr>
-            <a:r>
-              <a:rPr lang="en-GB">
-                <a:solidFill>
-                  <a:srgbClr val="FF0000"/>
-                </a:solidFill>
-                <a:latin typeface="Times New Roman" panose="02020603050405020304" pitchFamily="18" charset="0"/>
-                <a:cs typeface="Times New Roman" panose="02020603050405020304" pitchFamily="18" charset="0"/>
-              </a:rPr>
-              <a:t>Uchogi</a:t>
-            </a:r>
-          </a:p>
-          <a:p>
-            <a:pPr marL="0" indent="0">
-              <a:buFont typeface="Arial" panose="020B0604020202020204" pitchFamily="34" charset="0"/>
-              <a:buNone/>
-            </a:pPr>
-            <a:endParaRPr lang="en-GB">
-              <a:solidFill>
-                <a:srgbClr val="FF0000"/>
-              </a:solidFill>
-              <a:latin typeface="Times New Roman" panose="02020603050405020304" pitchFamily="18" charset="0"/>
-              <a:cs typeface="Times New Roman" panose="02020603050405020304" pitchFamily="18" charset="0"/>
-            </a:endParaRPr>
-          </a:p>
-          <a:p>
-            <a:pPr marL="0" indent="0">
-              <a:buFont typeface="Arial" panose="020B0604020202020204" pitchFamily="34" charset="0"/>
-              <a:buNone/>
-            </a:pPr>
-            <a:r>
-              <a:rPr lang="en-US">
-                <a:solidFill>
-                  <a:srgbClr val="FF0000"/>
-                </a:solidFill>
-              </a:rPr>
-              <a:t>What you did and Graphs </a:t>
-            </a:r>
-          </a:p>
-          <a:p>
-            <a:pPr marL="0" indent="0">
-              <a:buFont typeface="Arial" panose="020B0604020202020204" pitchFamily="34" charset="0"/>
-              <a:buNone/>
-            </a:pPr>
-            <a:endParaRPr lang="en-GB">
-              <a:solidFill>
-                <a:srgbClr val="FF0000"/>
-              </a:solidFill>
-              <a:latin typeface="Times New Roman" panose="02020603050405020304" pitchFamily="18" charset="0"/>
-              <a:cs typeface="Times New Roman" panose="02020603050405020304" pitchFamily="18" charset="0"/>
-            </a:endParaRPr>
-          </a:p>
-          <a:p>
-            <a:pPr marL="0" indent="0">
-              <a:buFont typeface="Arial" panose="020B0604020202020204" pitchFamily="34" charset="0"/>
-              <a:buNone/>
-            </a:pPr>
             <a:endParaRPr lang="en-EE" sz="1400" dirty="0">
               <a:solidFill>
                 <a:srgbClr val="002060"/>
@@ -5781,10 +5940,112 @@
           </a:p>
         </p:txBody>
       </p:sp>
+      <p:pic>
+        <p:nvPicPr>
+          <p:cNvPr id="9" name="Picture 8">
+            <a:extLst>
+              <a:ext uri="{FF2B5EF4-FFF2-40B4-BE49-F238E27FC236}">
+                <a16:creationId xmlns:a16="http://schemas.microsoft.com/office/drawing/2014/main" id="{92D089CD-0307-89C8-11DE-C78FD36C61BA}"/>
+              </a:ext>
+            </a:extLst>
+          </p:cNvPr>
+          <p:cNvPicPr>
+            <a:picLocks noChangeAspect="1"/>
+          </p:cNvPicPr>
+          <p:nvPr/>
+        </p:nvPicPr>
+        <p:blipFill>
+          <a:blip r:embed="rId3"/>
+          <a:stretch>
+            <a:fillRect/>
+          </a:stretch>
+        </p:blipFill>
+        <p:spPr>
+          <a:xfrm>
+            <a:off x="698408" y="2603843"/>
+            <a:ext cx="5372100" cy="3364704"/>
+          </a:xfrm>
+          <a:prstGeom prst="rect">
+            <a:avLst/>
+          </a:prstGeom>
+          <a:ln/>
+        </p:spPr>
+        <p:style>
+          <a:lnRef idx="1">
+            <a:schemeClr val="accent5"/>
+          </a:lnRef>
+          <a:fillRef idx="2">
+            <a:schemeClr val="accent5"/>
+          </a:fillRef>
+          <a:effectRef idx="1">
+            <a:schemeClr val="accent5"/>
+          </a:effectRef>
+          <a:fontRef idx="minor">
+            <a:schemeClr val="dk1"/>
+          </a:fontRef>
+        </p:style>
+      </p:pic>
+      <p:sp>
+        <p:nvSpPr>
+          <p:cNvPr id="10" name="TextBox 9">
+            <a:extLst>
+              <a:ext uri="{FF2B5EF4-FFF2-40B4-BE49-F238E27FC236}">
+                <a16:creationId xmlns:a16="http://schemas.microsoft.com/office/drawing/2014/main" id="{1BBE6B57-42AE-9899-94A1-F35B9F5B8551}"/>
+              </a:ext>
+            </a:extLst>
+          </p:cNvPr>
+          <p:cNvSpPr txBox="1"/>
+          <p:nvPr/>
+        </p:nvSpPr>
+        <p:spPr>
+          <a:xfrm>
+            <a:off x="698408" y="1993876"/>
+            <a:ext cx="9847358" cy="523220"/>
+          </a:xfrm>
+          <a:prstGeom prst="rect">
+            <a:avLst/>
+          </a:prstGeom>
+          <a:noFill/>
+        </p:spPr>
+        <p:txBody>
+          <a:bodyPr wrap="square" rtlCol="0" anchor="ctr">
+            <a:spAutoFit/>
+          </a:bodyPr>
+          <a:lstStyle/>
+          <a:p>
+            <a:pPr algn="l"/>
+            <a:r>
+              <a:rPr lang="en-GB" sz="1400" b="0" i="0" dirty="0">
+                <a:solidFill>
+                  <a:srgbClr val="000000"/>
+                </a:solidFill>
+                <a:effectLst/>
+                <a:latin typeface="Times New Roman" panose="02020603050405020304" pitchFamily="18" charset="0"/>
+                <a:cs typeface="Times New Roman" panose="02020603050405020304" pitchFamily="18" charset="0"/>
+              </a:rPr>
+              <a:t>The plot shows a general negative trend, suggesting that regions with higher poverty rates tend to have higher infant mortality rates.</a:t>
+            </a:r>
+          </a:p>
+          <a:p>
+            <a:pPr algn="l"/>
+            <a:r>
+              <a:rPr lang="en-GB" sz="1400" b="0" i="0" dirty="0">
+                <a:solidFill>
+                  <a:srgbClr val="000000"/>
+                </a:solidFill>
+                <a:effectLst/>
+                <a:latin typeface="Times New Roman" panose="02020603050405020304" pitchFamily="18" charset="0"/>
+                <a:cs typeface="Times New Roman" panose="02020603050405020304" pitchFamily="18" charset="0"/>
+              </a:rPr>
+              <a:t>The red regression line represents the linear relationship between the mortality rate and the poverty rate. </a:t>
+            </a:r>
+          </a:p>
+        </p:txBody>
+      </p:sp>
     </p:spTree>
     <p:extLst>
       <p:ext uri="{BB962C8B-B14F-4D97-AF65-F5344CB8AC3E}">
-        <p14:creationId xmlns:p14="http://schemas.microsoft.com/office/powerpoint/2010/main" val="3431157652"/>
+        <p14:creationId xmlns:p14="http://schemas.microsoft.com/office/powerpoint/2010/main" val="2923223355"/>
       </p:ext>
     </p:extLst>
   </p:cSld>
@@ -5938,27 +6199,100 @@
         <p:spPr/>
         <p:txBody>
           <a:bodyPr>
-            <a:normAutofit/>
+            <a:noAutofit/>
           </a:bodyPr>
           <a:lstStyle/>
           <a:p>
-            <a:pPr marL="0" indent="0">
-              <a:buNone/>
+            <a:pPr algn="l">
+              <a:buFont typeface="+mj-lt"/>
+              <a:buAutoNum type="arabicPeriod"/>
             </a:pPr>
-            <a:endParaRPr lang="en-EE" sz="1400" dirty="0">
-              <a:solidFill>
-                <a:srgbClr val="002060"/>
-              </a:solidFill>
-              <a:latin typeface="Times New Roman" panose="02020603050405020304" pitchFamily="18" charset="0"/>
-              <a:cs typeface="Times New Roman" panose="02020603050405020304" pitchFamily="18" charset="0"/>
-            </a:endParaRPr>
+            <a:r>
+              <a:rPr lang="en-GB" sz="1400" b="0" i="0" dirty="0">
+                <a:solidFill>
+                  <a:srgbClr val="002060"/>
+                </a:solidFill>
+                <a:effectLst/>
+                <a:latin typeface="Times New Roman" panose="02020603050405020304" pitchFamily="18" charset="0"/>
+                <a:cs typeface="Times New Roman" panose="02020603050405020304" pitchFamily="18" charset="0"/>
+              </a:rPr>
+              <a:t>Infant Mortality Rate: The highest infant mortality rate is observed in the 'WEST MIDLANDS' region, with a rate of 11.95 per 1000 births. The lowest infant mortality rate is found in the 'SOUTH WEST' region, with a rate of 6.59 per 1000 births.</a:t>
+            </a:r>
+          </a:p>
+          <a:p>
+            <a:pPr algn="l">
+              <a:buFont typeface="+mj-lt"/>
+              <a:buAutoNum type="arabicPeriod"/>
+            </a:pPr>
+            <a:r>
+              <a:rPr lang="en-GB" sz="1400" b="0" i="0" dirty="0">
+                <a:solidFill>
+                  <a:srgbClr val="002060"/>
+                </a:solidFill>
+                <a:effectLst/>
+                <a:latin typeface="Times New Roman" panose="02020603050405020304" pitchFamily="18" charset="0"/>
+                <a:cs typeface="Times New Roman" panose="02020603050405020304" pitchFamily="18" charset="0"/>
+              </a:rPr>
+              <a:t>Poverty Rate: The highest poverty rate is recorded in the 'LONDON' region, with a rate of 26.09%. The lowest poverty rate is observed in the 'SOUTH WEST' region, with a rate of 18.90%.</a:t>
+            </a:r>
+          </a:p>
+          <a:p>
+            <a:pPr algn="l">
+              <a:buFont typeface="+mj-lt"/>
+              <a:buAutoNum type="arabicPeriod"/>
+            </a:pPr>
+            <a:r>
+              <a:rPr lang="en-GB" sz="1400" b="0" i="0" dirty="0">
+                <a:solidFill>
+                  <a:srgbClr val="002060"/>
+                </a:solidFill>
+                <a:effectLst/>
+                <a:latin typeface="Times New Roman" panose="02020603050405020304" pitchFamily="18" charset="0"/>
+                <a:cs typeface="Times New Roman" panose="02020603050405020304" pitchFamily="18" charset="0"/>
+              </a:rPr>
+              <a:t>Relationship between Infant Mortality Rate and Poverty Rate:</a:t>
+            </a:r>
+          </a:p>
+          <a:p>
+            <a:pPr marL="742950" lvl="1" indent="-285750" algn="l">
+              <a:buFont typeface="+mj-lt"/>
+              <a:buAutoNum type="arabicPeriod"/>
+            </a:pPr>
+            <a:r>
+              <a:rPr lang="en-GB" sz="1400" b="0" i="0" dirty="0">
+                <a:solidFill>
+                  <a:srgbClr val="002060"/>
+                </a:solidFill>
+                <a:effectLst/>
+                <a:latin typeface="Times New Roman" panose="02020603050405020304" pitchFamily="18" charset="0"/>
+                <a:cs typeface="Times New Roman" panose="02020603050405020304" pitchFamily="18" charset="0"/>
+              </a:rPr>
+              <a:t>The 'SOUTH WEST' region has both the lowest infant mortality rate and the lowest poverty rate, suggesting a potential relationship between lower poverty rates and better health outcomes for infants.</a:t>
+            </a:r>
+          </a:p>
+          <a:p>
+            <a:pPr marL="742950" lvl="1" indent="-285750" algn="l">
+              <a:buFont typeface="+mj-lt"/>
+              <a:buAutoNum type="arabicPeriod"/>
+            </a:pPr>
+            <a:r>
+              <a:rPr lang="en-GB" sz="1400" b="0" i="0" dirty="0">
+                <a:solidFill>
+                  <a:srgbClr val="002060"/>
+                </a:solidFill>
+                <a:effectLst/>
+                <a:latin typeface="Times New Roman" panose="02020603050405020304" pitchFamily="18" charset="0"/>
+                <a:cs typeface="Times New Roman" panose="02020603050405020304" pitchFamily="18" charset="0"/>
+              </a:rPr>
+              <a:t>On the other hand, the 'WEST MIDLANDS' region exhibits the highest infant mortality rate along with a relatively higher poverty rate, indicating a possible association between higher poverty rates and increased infant mortality.</a:t>
+            </a:r>
           </a:p>
         </p:txBody>
       </p:sp>
     </p:spTree>
     <p:extLst>
       <p:ext uri="{BB962C8B-B14F-4D97-AF65-F5344CB8AC3E}">
-        <p14:creationId xmlns:p14="http://schemas.microsoft.com/office/powerpoint/2010/main" val="1883603155"/>
+        <p14:creationId xmlns:p14="http://schemas.microsoft.com/office/powerpoint/2010/main" val="3157012082"/>
       </p:ext>
     </p:extLst>
   </p:cSld>
@@ -6047,17 +6381,60 @@
             <a:pPr marL="0" indent="0">
               <a:buNone/>
             </a:pPr>
-            <a:endParaRPr lang="en-EE" sz="1400" dirty="0">
+            <a:r>
+              <a:rPr lang="en-GB" sz="1800" b="0" i="0" dirty="0">
+                <a:solidFill>
+                  <a:srgbClr val="002060"/>
+                </a:solidFill>
+                <a:effectLst/>
+                <a:latin typeface="Times New Roman" panose="02020603050405020304" pitchFamily="18" charset="0"/>
+                <a:cs typeface="Times New Roman" panose="02020603050405020304" pitchFamily="18" charset="0"/>
+              </a:rPr>
+              <a:t>Overall, this analysis demonstrates the importance of addressing poverty and its potential impact on infant mortality rates, emphasizing the need for targeted interventions and policies to improve health outcomes for vulnerable populations. </a:t>
+            </a:r>
+          </a:p>
+          <a:p>
+            <a:pPr marL="0" indent="0">
+              <a:buNone/>
+            </a:pPr>
+            <a:r>
+              <a:rPr lang="en-GB" sz="1800" b="0" i="0" dirty="0">
+                <a:solidFill>
+                  <a:srgbClr val="002060"/>
+                </a:solidFill>
+                <a:effectLst/>
+                <a:latin typeface="Times New Roman" panose="02020603050405020304" pitchFamily="18" charset="0"/>
+                <a:cs typeface="Times New Roman" panose="02020603050405020304" pitchFamily="18" charset="0"/>
+              </a:rPr>
+              <a:t>Further analysis and statistical tests could be conducted to determine the strength and significance of the relationship between the infant mortality rate and the poverty rate while considering other socio economic conditions that may apply like available healthcare infrastructure, access to quality healthcare, etc.</a:t>
+            </a:r>
+            <a:endParaRPr lang="en-EE" sz="1800" dirty="0">
+              <a:solidFill>
+                <a:srgbClr val="002060"/>
+              </a:solidFill>
               <a:latin typeface="Times New Roman" panose="02020603050405020304" pitchFamily="18" charset="0"/>
               <a:cs typeface="Times New Roman" panose="02020603050405020304" pitchFamily="18" charset="0"/>
             </a:endParaRPr>
           </a:p>
+          <a:p>
+            <a:pPr marL="0" indent="0">
+              <a:buNone/>
+            </a:pPr>
+            <a:endParaRPr lang="en-GB" sz="1800" b="0" i="0" dirty="0">
+              <a:solidFill>
+                <a:srgbClr val="002060"/>
+              </a:solidFill>
+              <a:effectLst/>
+              <a:latin typeface="Times New Roman" panose="02020603050405020304" pitchFamily="18" charset="0"/>
+              <a:cs typeface="Times New Roman" panose="02020603050405020304" pitchFamily="18" charset="0"/>
+            </a:endParaRPr>
+          </a:p>
         </p:txBody>
       </p:sp>
     </p:spTree>
     <p:extLst>
       <p:ext uri="{BB962C8B-B14F-4D97-AF65-F5344CB8AC3E}">
-        <p14:creationId xmlns:p14="http://schemas.microsoft.com/office/powerpoint/2010/main" val="690736428"/>
+        <p14:creationId xmlns:p14="http://schemas.microsoft.com/office/powerpoint/2010/main" val="3458248633"/>
       </p:ext>
     </p:extLst>
   </p:cSld>
@@ -6175,6 +6552,71 @@
     <p:extLst>
       <p:ext uri="{BB962C8B-B14F-4D97-AF65-F5344CB8AC3E}">
         <p14:creationId xmlns:p14="http://schemas.microsoft.com/office/powerpoint/2010/main" val="513783910"/>
+      </p:ext>
+    </p:extLst>
+  </p:cSld>
+  <p:clrMapOvr>
+    <a:masterClrMapping/>
+  </p:clrMapOvr>
+</p:sld>
+</file>
+
+<file path=ppt/slides/slide17.xml><?xml version="1.0" encoding="utf-8"?>
+<p:sld xmlns:a="http://schemas.openxmlformats.org/drawingml/2006/main" xmlns:r="http://schemas.openxmlformats.org/officeDocument/2006/relationships" xmlns:p="http://schemas.openxmlformats.org/presentationml/2006/main">
+  <p:cSld>
+    <p:spTree>
+      <p:nvGrpSpPr>
+        <p:cNvPr id="1" name=""/>
+        <p:cNvGrpSpPr/>
+        <p:nvPr/>
+      </p:nvGrpSpPr>
+      <p:grpSpPr>
+        <a:xfrm>
+          <a:off x="0" y="0"/>
+          <a:ext cx="0" cy="0"/>
+          <a:chOff x="0" y="0"/>
+          <a:chExt cx="0" cy="0"/>
+        </a:xfrm>
+      </p:grpSpPr>
+      <p:sp>
+        <p:nvSpPr>
+          <p:cNvPr id="2" name="Title 1">
+            <a:extLst>
+              <a:ext uri="{FF2B5EF4-FFF2-40B4-BE49-F238E27FC236}">
+                <a16:creationId xmlns:a16="http://schemas.microsoft.com/office/drawing/2014/main" id="{737A98FB-8689-1992-37B8-C7158A6175A3}"/>
+              </a:ext>
+            </a:extLst>
+          </p:cNvPr>
+          <p:cNvSpPr>
+            <a:spLocks noGrp="1"/>
+          </p:cNvSpPr>
+          <p:nvPr>
+            <p:ph type="title"/>
+          </p:nvPr>
+        </p:nvSpPr>
+        <p:spPr/>
+        <p:txBody>
+          <a:bodyPr anchor="ctr"/>
+          <a:lstStyle/>
+          <a:p>
+            <a:pPr algn="ctr"/>
+            <a:r>
+              <a:rPr lang="en-EE" dirty="0">
+                <a:solidFill>
+                  <a:srgbClr val="002060"/>
+                </a:solidFill>
+                <a:latin typeface="Times New Roman" panose="02020603050405020304" pitchFamily="18" charset="0"/>
+                <a:cs typeface="Times New Roman" panose="02020603050405020304" pitchFamily="18" charset="0"/>
+              </a:rPr>
+              <a:t>THANK YOU</a:t>
+            </a:r>
+          </a:p>
+        </p:txBody>
+      </p:sp>
+    </p:spTree>
+    <p:extLst>
+      <p:ext uri="{BB962C8B-B14F-4D97-AF65-F5344CB8AC3E}">
+        <p14:creationId xmlns:p14="http://schemas.microsoft.com/office/powerpoint/2010/main" val="1115250786"/>
       </p:ext>
     </p:extLst>
   </p:cSld>
@@ -7653,11 +8095,19 @@
         </p:nvSpPr>
         <p:spPr/>
         <p:txBody>
-          <a:bodyPr/>
-          <a:lstStyle/>
-          <a:p>
-            <a:r>
-              <a:rPr lang="en-US" dirty="0"/>
+          <a:bodyPr>
+            <a:normAutofit/>
+          </a:bodyPr>
+          <a:lstStyle/>
+          <a:p>
+            <a:r>
+              <a:rPr lang="en-US" sz="2800" dirty="0">
+                <a:solidFill>
+                  <a:srgbClr val="002060"/>
+                </a:solidFill>
+                <a:latin typeface="Times New Roman" panose="02020603050405020304" pitchFamily="18" charset="0"/>
+                <a:cs typeface="Times New Roman" panose="02020603050405020304" pitchFamily="18" charset="0"/>
+              </a:rPr>
               <a:t>Population Data and analysis </a:t>
             </a:r>
           </a:p>
@@ -7685,8 +8135,8 @@
         </p:blipFill>
         <p:spPr>
           <a:xfrm>
-            <a:off x="1117076" y="3183729"/>
-            <a:ext cx="4978924" cy="3168406"/>
+            <a:off x="455947" y="2764490"/>
+            <a:ext cx="5640053" cy="3207348"/>
           </a:xfrm>
           <a:prstGeom prst="rect">
             <a:avLst/>
@@ -7748,7 +8198,7 @@
         </p:nvSpPr>
         <p:spPr>
           <a:xfrm>
-            <a:off x="1603513" y="2092990"/>
+            <a:off x="1451579" y="1853754"/>
             <a:ext cx="9603275" cy="923330"/>
           </a:xfrm>
           <a:prstGeom prst="rect">
@@ -7791,8 +8241,8 @@
         </p:blipFill>
         <p:spPr>
           <a:xfrm>
-            <a:off x="6501065" y="2833169"/>
-            <a:ext cx="4862290" cy="3869525"/>
+            <a:off x="6253216" y="2452873"/>
+            <a:ext cx="5797270" cy="3518966"/>
           </a:xfrm>
           <a:prstGeom prst="rect">
             <a:avLst/>

--- a/Infants  Mortality Analysis_v1.pptx
+++ b/Infants  Mortality Analysis_v1.pptx
@@ -5074,8 +5074,12 @@
           <a:lstStyle/>
           <a:p>
             <a:r>
-              <a:rPr lang="en-US" dirty="0"/>
-              <a:t>We determined the relative morality rate per region and found out that West Midlands has the highest relative mortality rate in England based on per 1000 births within the total population.</a:t>
+              <a:rPr lang="en-US" dirty="0">
+                <a:solidFill>
+                  <a:srgbClr val="002060"/>
+                </a:solidFill>
+              </a:rPr>
+              <a:t>We determined the relative mortality rate per region and found out that West Midlands has the highest relative mortality rate in England per 1000 births within the total population.</a:t>
             </a:r>
           </a:p>
         </p:txBody>
@@ -6017,7 +6021,7 @@
             <a:r>
               <a:rPr lang="en-GB" sz="1400" b="0" i="0" dirty="0">
                 <a:solidFill>
-                  <a:srgbClr val="000000"/>
+                  <a:srgbClr val="002060"/>
                 </a:solidFill>
                 <a:effectLst/>
                 <a:latin typeface="Times New Roman" panose="02020603050405020304" pitchFamily="18" charset="0"/>
@@ -6031,7 +6035,7 @@
             <a:r>
               <a:rPr lang="en-GB" sz="1400" b="0" i="0" dirty="0">
                 <a:solidFill>
-                  <a:srgbClr val="000000"/>
+                  <a:srgbClr val="002060"/>
                 </a:solidFill>
                 <a:effectLst/>
                 <a:latin typeface="Times New Roman" panose="02020603050405020304" pitchFamily="18" charset="0"/>
